--- a/5620 presentation final edition.pptx
+++ b/5620 presentation final edition.pptx
@@ -14,8 +14,8 @@
     <p:sldId id="303" r:id="rId5"/>
     <p:sldId id="267" r:id="rId6"/>
     <p:sldId id="268" r:id="rId7"/>
-    <p:sldId id="278" r:id="rId8"/>
-    <p:sldId id="333" r:id="rId9"/>
+    <p:sldId id="333" r:id="rId8"/>
+    <p:sldId id="278" r:id="rId9"/>
     <p:sldId id="279" r:id="rId10"/>
     <p:sldId id="280" r:id="rId11"/>
     <p:sldId id="281" r:id="rId12"/>
@@ -9349,7 +9349,7 @@
       </p:pic>
       <p:pic>
         <p:nvPicPr>
-          <p:cNvPr id="13" name="image46.png"/>
+          <p:cNvPr id="4" name="image55.png"/>
           <p:cNvPicPr preferRelativeResize="0"/>
           <p:nvPr/>
         </p:nvPicPr>
@@ -9362,8 +9362,8 @@
         </p:blipFill>
         <p:spPr>
           <a:xfrm>
-            <a:off x="2403475" y="1149350"/>
-            <a:ext cx="7486650" cy="5357495"/>
+            <a:off x="2455545" y="1148715"/>
+            <a:ext cx="7435850" cy="4732020"/>
           </a:xfrm>
           <a:prstGeom prst="rect">
             <a:avLst/>
@@ -9390,6 +9390,124 @@
               <a:t>7</a:t>
             </a:fld>
             <a:endParaRPr lang="zh-CN" altLang="en-US"/>
+          </a:p>
+        </p:txBody>
+      </p:sp>
+      <p:sp>
+        <p:nvSpPr>
+          <p:cNvPr id="6" name="TextBox 5"/>
+          <p:cNvSpPr txBox="1"/>
+          <p:nvPr/>
+        </p:nvSpPr>
+        <p:spPr>
+          <a:xfrm>
+            <a:off x="3827145" y="5987018"/>
+            <a:ext cx="4360746" cy="369332"/>
+          </a:xfrm>
+          <a:prstGeom prst="rect">
+            <a:avLst/>
+          </a:prstGeom>
+          <a:noFill/>
+        </p:spPr>
+        <p:txBody>
+          <a:bodyPr wrap="none" rtlCol="0">
+            <a:spAutoFit/>
+          </a:bodyPr>
+          <a:lstStyle/>
+          <a:p>
+            <a:r>
+              <a:rPr lang="en-US" altLang="zh-CN" dirty="0" smtClean="0">
+                <a:latin typeface="Times New Roman" charset="0"/>
+                <a:ea typeface="Times New Roman" charset="0"/>
+                <a:cs typeface="Times New Roman" charset="0"/>
+              </a:rPr>
+              <a:t>Figure1</a:t>
+            </a:r>
+            <a:r>
+              <a:rPr lang="zh-CN" altLang="en-US" dirty="0" smtClean="0">
+                <a:latin typeface="Times New Roman" charset="0"/>
+                <a:ea typeface="Times New Roman" charset="0"/>
+                <a:cs typeface="Times New Roman" charset="0"/>
+              </a:rPr>
+              <a:t> </a:t>
+            </a:r>
+            <a:r>
+              <a:rPr lang="en-US" altLang="zh-CN" dirty="0" smtClean="0">
+                <a:latin typeface="Times New Roman" charset="0"/>
+                <a:ea typeface="Times New Roman" charset="0"/>
+                <a:cs typeface="Times New Roman" charset="0"/>
+              </a:rPr>
+              <a:t>Activity</a:t>
+            </a:r>
+            <a:r>
+              <a:rPr lang="zh-CN" altLang="en-US" dirty="0" smtClean="0">
+                <a:latin typeface="Times New Roman" charset="0"/>
+                <a:ea typeface="Times New Roman" charset="0"/>
+                <a:cs typeface="Times New Roman" charset="0"/>
+              </a:rPr>
+              <a:t> </a:t>
+            </a:r>
+            <a:r>
+              <a:rPr lang="en-US" altLang="zh-CN" dirty="0" smtClean="0">
+                <a:latin typeface="Times New Roman" charset="0"/>
+                <a:ea typeface="Times New Roman" charset="0"/>
+                <a:cs typeface="Times New Roman" charset="0"/>
+              </a:rPr>
+              <a:t>diagram</a:t>
+            </a:r>
+            <a:r>
+              <a:rPr lang="zh-CN" altLang="en-US" dirty="0" smtClean="0">
+                <a:latin typeface="Times New Roman" charset="0"/>
+                <a:ea typeface="Times New Roman" charset="0"/>
+                <a:cs typeface="Times New Roman" charset="0"/>
+              </a:rPr>
+              <a:t> </a:t>
+            </a:r>
+            <a:r>
+              <a:rPr lang="en-US" altLang="zh-CN" dirty="0" smtClean="0">
+                <a:latin typeface="Times New Roman" charset="0"/>
+                <a:ea typeface="Times New Roman" charset="0"/>
+                <a:cs typeface="Times New Roman" charset="0"/>
+              </a:rPr>
+              <a:t>for</a:t>
+            </a:r>
+            <a:r>
+              <a:rPr lang="zh-CN" altLang="en-US" dirty="0" smtClean="0">
+                <a:latin typeface="Times New Roman" charset="0"/>
+                <a:ea typeface="Times New Roman" charset="0"/>
+                <a:cs typeface="Times New Roman" charset="0"/>
+              </a:rPr>
+              <a:t> </a:t>
+            </a:r>
+            <a:r>
+              <a:rPr lang="en-US" altLang="zh-CN" dirty="0" smtClean="0">
+                <a:latin typeface="Times New Roman" charset="0"/>
+                <a:ea typeface="Times New Roman" charset="0"/>
+                <a:cs typeface="Times New Roman" charset="0"/>
+              </a:rPr>
+              <a:t>login</a:t>
+            </a:r>
+            <a:r>
+              <a:rPr lang="zh-CN" altLang="en-US" dirty="0" smtClean="0">
+                <a:latin typeface="Times New Roman" charset="0"/>
+                <a:ea typeface="Times New Roman" charset="0"/>
+                <a:cs typeface="Times New Roman" charset="0"/>
+              </a:rPr>
+              <a:t> </a:t>
+            </a:r>
+            <a:r>
+              <a:rPr lang="en-US" altLang="zh-CN" dirty="0" smtClean="0">
+                <a:latin typeface="Times New Roman" charset="0"/>
+                <a:ea typeface="Times New Roman" charset="0"/>
+                <a:cs typeface="Times New Roman" charset="0"/>
+              </a:rPr>
+              <a:t>procedure</a:t>
+            </a:r>
+            <a:endParaRPr lang="en-US" dirty="0">
+              <a:latin typeface="Times New Roman" charset="0"/>
+              <a:ea typeface="Times New Roman" charset="0"/>
+              <a:cs typeface="Times New Roman" charset="0"/>
+            </a:endParaRPr>
           </a:p>
         </p:txBody>
       </p:sp>
@@ -9503,7 +9621,7 @@
       </p:pic>
       <p:pic>
         <p:nvPicPr>
-          <p:cNvPr id="4" name="image55.png"/>
+          <p:cNvPr id="13" name="image46.png"/>
           <p:cNvPicPr preferRelativeResize="0"/>
           <p:nvPr/>
         </p:nvPicPr>
@@ -9516,8 +9634,8 @@
         </p:blipFill>
         <p:spPr>
           <a:xfrm>
-            <a:off x="2455545" y="1148715"/>
-            <a:ext cx="7435850" cy="4732020"/>
+            <a:off x="2403475" y="1149350"/>
+            <a:ext cx="7486650" cy="5357495"/>
           </a:xfrm>
           <a:prstGeom prst="rect">
             <a:avLst/>
@@ -9544,124 +9662,6 @@
               <a:t>8</a:t>
             </a:fld>
             <a:endParaRPr lang="zh-CN" altLang="en-US"/>
-          </a:p>
-        </p:txBody>
-      </p:sp>
-      <p:sp>
-        <p:nvSpPr>
-          <p:cNvPr id="6" name="TextBox 5"/>
-          <p:cNvSpPr txBox="1"/>
-          <p:nvPr/>
-        </p:nvSpPr>
-        <p:spPr>
-          <a:xfrm>
-            <a:off x="3827145" y="5987018"/>
-            <a:ext cx="4360746" cy="369332"/>
-          </a:xfrm>
-          <a:prstGeom prst="rect">
-            <a:avLst/>
-          </a:prstGeom>
-          <a:noFill/>
-        </p:spPr>
-        <p:txBody>
-          <a:bodyPr wrap="none" rtlCol="0">
-            <a:spAutoFit/>
-          </a:bodyPr>
-          <a:lstStyle/>
-          <a:p>
-            <a:r>
-              <a:rPr lang="en-US" altLang="zh-CN" dirty="0" smtClean="0">
-                <a:latin typeface="Times New Roman" charset="0"/>
-                <a:ea typeface="Times New Roman" charset="0"/>
-                <a:cs typeface="Times New Roman" charset="0"/>
-              </a:rPr>
-              <a:t>Figure1</a:t>
-            </a:r>
-            <a:r>
-              <a:rPr lang="zh-CN" altLang="en-US" dirty="0" smtClean="0">
-                <a:latin typeface="Times New Roman" charset="0"/>
-                <a:ea typeface="Times New Roman" charset="0"/>
-                <a:cs typeface="Times New Roman" charset="0"/>
-              </a:rPr>
-              <a:t> </a:t>
-            </a:r>
-            <a:r>
-              <a:rPr lang="en-US" altLang="zh-CN" dirty="0" smtClean="0">
-                <a:latin typeface="Times New Roman" charset="0"/>
-                <a:ea typeface="Times New Roman" charset="0"/>
-                <a:cs typeface="Times New Roman" charset="0"/>
-              </a:rPr>
-              <a:t>Activity</a:t>
-            </a:r>
-            <a:r>
-              <a:rPr lang="zh-CN" altLang="en-US" dirty="0" smtClean="0">
-                <a:latin typeface="Times New Roman" charset="0"/>
-                <a:ea typeface="Times New Roman" charset="0"/>
-                <a:cs typeface="Times New Roman" charset="0"/>
-              </a:rPr>
-              <a:t> </a:t>
-            </a:r>
-            <a:r>
-              <a:rPr lang="en-US" altLang="zh-CN" dirty="0" smtClean="0">
-                <a:latin typeface="Times New Roman" charset="0"/>
-                <a:ea typeface="Times New Roman" charset="0"/>
-                <a:cs typeface="Times New Roman" charset="0"/>
-              </a:rPr>
-              <a:t>diagram</a:t>
-            </a:r>
-            <a:r>
-              <a:rPr lang="zh-CN" altLang="en-US" dirty="0" smtClean="0">
-                <a:latin typeface="Times New Roman" charset="0"/>
-                <a:ea typeface="Times New Roman" charset="0"/>
-                <a:cs typeface="Times New Roman" charset="0"/>
-              </a:rPr>
-              <a:t> </a:t>
-            </a:r>
-            <a:r>
-              <a:rPr lang="en-US" altLang="zh-CN" dirty="0" smtClean="0">
-                <a:latin typeface="Times New Roman" charset="0"/>
-                <a:ea typeface="Times New Roman" charset="0"/>
-                <a:cs typeface="Times New Roman" charset="0"/>
-              </a:rPr>
-              <a:t>for</a:t>
-            </a:r>
-            <a:r>
-              <a:rPr lang="zh-CN" altLang="en-US" dirty="0" smtClean="0">
-                <a:latin typeface="Times New Roman" charset="0"/>
-                <a:ea typeface="Times New Roman" charset="0"/>
-                <a:cs typeface="Times New Roman" charset="0"/>
-              </a:rPr>
-              <a:t> </a:t>
-            </a:r>
-            <a:r>
-              <a:rPr lang="en-US" altLang="zh-CN" dirty="0" smtClean="0">
-                <a:latin typeface="Times New Roman" charset="0"/>
-                <a:ea typeface="Times New Roman" charset="0"/>
-                <a:cs typeface="Times New Roman" charset="0"/>
-              </a:rPr>
-              <a:t>login</a:t>
-            </a:r>
-            <a:r>
-              <a:rPr lang="zh-CN" altLang="en-US" dirty="0" smtClean="0">
-                <a:latin typeface="Times New Roman" charset="0"/>
-                <a:ea typeface="Times New Roman" charset="0"/>
-                <a:cs typeface="Times New Roman" charset="0"/>
-              </a:rPr>
-              <a:t> </a:t>
-            </a:r>
-            <a:r>
-              <a:rPr lang="en-US" altLang="zh-CN" dirty="0" smtClean="0">
-                <a:latin typeface="Times New Roman" charset="0"/>
-                <a:ea typeface="Times New Roman" charset="0"/>
-                <a:cs typeface="Times New Roman" charset="0"/>
-              </a:rPr>
-              <a:t>procedure</a:t>
-            </a:r>
-            <a:endParaRPr lang="en-US" dirty="0">
-              <a:latin typeface="Times New Roman" charset="0"/>
-              <a:ea typeface="Times New Roman" charset="0"/>
-              <a:cs typeface="Times New Roman" charset="0"/>
-            </a:endParaRPr>
           </a:p>
         </p:txBody>
       </p:sp>
